--- a/Presentaties/tussentijdse presentatie.pptx
+++ b/Presentaties/tussentijdse presentatie.pptx
@@ -197,7 +197,7 @@
           <a:p>
             <a:fld id="{0DE3A5DF-311E-405A-A5D3-F9F8C4753B14}" type="datetime1">
               <a:rPr lang="en-GB" smtClean="0"/>
-              <a:t>07/03/2019</a:t>
+              <a:t>12/03/2019</a:t>
             </a:fld>
             <a:endParaRPr lang="en-GB"/>
           </a:p>
@@ -378,7 +378,7 @@
           <a:p>
             <a:fld id="{61265FE6-EFEA-4953-9E2B-F8EBAAE2E77A}" type="datetime1">
               <a:rPr lang="en-GB" smtClean="0"/>
-              <a:t>07/03/2019</a:t>
+              <a:t>12/03/2019</a:t>
             </a:fld>
             <a:endParaRPr lang="en-GB"/>
           </a:p>
@@ -30956,8 +30956,20 @@
           </a:lstStyle>
           <a:p>
             <a:r>
-              <a:rPr lang="en-GB"/>
-              <a:t>Gamification van een opleiding</a:t>
+              <a:rPr lang="en-GB" dirty="0"/>
+              <a:t>Gamification van </a:t>
+            </a:r>
+            <a:r>
+              <a:rPr lang="en-GB" dirty="0" err="1"/>
+              <a:t>een</a:t>
+            </a:r>
+            <a:r>
+              <a:rPr lang="en-GB" dirty="0"/>
+              <a:t> </a:t>
+            </a:r>
+            <a:r>
+              <a:rPr lang="en-GB" dirty="0" err="1"/>
+              <a:t>opleiding</a:t>
             </a:r>
             <a:endParaRPr lang="en-GB" dirty="0"/>
           </a:p>
@@ -31282,7 +31294,7 @@
                   <a:schemeClr val="bg1"/>
                 </a:solidFill>
               </a:rPr>
-              <a:t>Sprint 5 (Week 11-12): Bugfixen en afwerken van reeds bestaande onderdelen</a:t>
+              <a:t>Sprint 5 (Week 11-12): Ontwikkelen van het MeComs Level</a:t>
             </a:r>
           </a:p>
           <a:p>
@@ -31609,7 +31621,7 @@
                   <a:schemeClr val="bg1"/>
                 </a:solidFill>
               </a:rPr>
-              <a:t>Bugs oplossen</a:t>
+              <a:t>MeComs level</a:t>
             </a:r>
           </a:p>
           <a:p>
@@ -31623,7 +31635,7 @@
                   <a:schemeClr val="bg1"/>
                 </a:solidFill>
               </a:rPr>
-              <a:t>Code refactoring</a:t>
+              <a:t>Code refactoring &amp; Bugfixing</a:t>
             </a:r>
           </a:p>
         </p:txBody>
@@ -33029,30 +33041,6 @@
 </file>
 
 <file path=customXml/item2.xml><?xml version="1.0" encoding="utf-8"?>
-<p:properties xmlns:p="http://schemas.microsoft.com/office/2006/metadata/properties" xmlns:xsi="http://www.w3.org/2001/XMLSchema-instance" xmlns:pc="http://schemas.microsoft.com/office/infopath/2007/PartnerControls">
-  <documentManagement>
-    <Comments xmlns="c09bee97-6e5f-4578-b7c8-2a18999b593e" xsi:nil="true"/>
-    <Division xmlns="c09bee97-6e5f-4578-b7c8-2a18999b593e">MECOMS</Division>
-    <Document_x0020_Type xmlns="c09bee97-6e5f-4578-b7c8-2a18999b593e">Template</Document_x0020_Type>
-    <_dlc_DocId xmlns="754836dd-ffd5-4ead-8c2e-b7c9b87af8e2">FERRANTI-97714427-51</_dlc_DocId>
-    <_dlc_DocIdUrl xmlns="754836dd-ffd5-4ead-8c2e-b7c9b87af8e2">
-      <Url>https://spark.ferranti.be/Sales/Marketing/_layouts/15/DocIdRedir.aspx?ID=FERRANTI-97714427-51</Url>
-      <Description>FERRANTI-97714427-51</Description>
-    </_dlc_DocIdUrl>
-  </documentManagement>
-</p:properties>
-</file>
-
-<file path=customXml/item3.xml><?xml version="1.0" encoding="utf-8"?>
-<?mso-contentType ?>
-<FormTemplates xmlns="http://schemas.microsoft.com/sharepoint/v3/contenttype/forms">
-  <Display>DocumentLibraryForm</Display>
-  <Edit>DocumentLibraryForm</Edit>
-  <New>DocumentLibraryForm</New>
-</FormTemplates>
-</file>
-
-<file path=customXml/item4.xml><?xml version="1.0" encoding="utf-8"?>
 <?mso-contentType ?>
 <spe:Receivers xmlns:spe="http://schemas.microsoft.com/sharepoint/events">
   <Receiver>
@@ -33098,6 +33086,30 @@
 </spe:Receivers>
 </file>
 
+<file path=customXml/item3.xml><?xml version="1.0" encoding="utf-8"?>
+<?mso-contentType ?>
+<FormTemplates xmlns="http://schemas.microsoft.com/sharepoint/v3/contenttype/forms">
+  <Display>DocumentLibraryForm</Display>
+  <Edit>DocumentLibraryForm</Edit>
+  <New>DocumentLibraryForm</New>
+</FormTemplates>
+</file>
+
+<file path=customXml/item4.xml><?xml version="1.0" encoding="utf-8"?>
+<p:properties xmlns:p="http://schemas.microsoft.com/office/2006/metadata/properties" xmlns:xsi="http://www.w3.org/2001/XMLSchema-instance" xmlns:pc="http://schemas.microsoft.com/office/infopath/2007/PartnerControls">
+  <documentManagement>
+    <Comments xmlns="c09bee97-6e5f-4578-b7c8-2a18999b593e" xsi:nil="true"/>
+    <Division xmlns="c09bee97-6e5f-4578-b7c8-2a18999b593e">MECOMS</Division>
+    <Document_x0020_Type xmlns="c09bee97-6e5f-4578-b7c8-2a18999b593e">Template</Document_x0020_Type>
+    <_dlc_DocId xmlns="754836dd-ffd5-4ead-8c2e-b7c9b87af8e2">FERRANTI-97714427-51</_dlc_DocId>
+    <_dlc_DocIdUrl xmlns="754836dd-ffd5-4ead-8c2e-b7c9b87af8e2">
+      <Url>https://spark.ferranti.be/Sales/Marketing/_layouts/15/DocIdRedir.aspx?ID=FERRANTI-97714427-51</Url>
+      <Description>FERRANTI-97714427-51</Description>
+    </_dlc_DocIdUrl>
+  </documentManagement>
+</p:properties>
+</file>
+
 <file path=customXml/itemProps1.xml><?xml version="1.0" encoding="utf-8"?>
 <ds:datastoreItem xmlns:ds="http://purl.oclc.org/ooxml/officeDocument/customXml" ds:itemID="{1C172753-555D-4726-BEB8-6595C97D3D4C}">
   <ds:schemaRefs>
@@ -33118,6 +33130,22 @@
 </file>
 
 <file path=customXml/itemProps2.xml><?xml version="1.0" encoding="utf-8"?>
+<ds:datastoreItem xmlns:ds="http://purl.oclc.org/ooxml/officeDocument/customXml" ds:itemID="{2FD29744-43A1-44E3-808C-19A6C7E5A223}">
+  <ds:schemaRefs>
+    <ds:schemaRef ds:uri="http://schemas.microsoft.com/sharepoint/events"/>
+  </ds:schemaRefs>
+</ds:datastoreItem>
+</file>
+
+<file path=customXml/itemProps3.xml><?xml version="1.0" encoding="utf-8"?>
+<ds:datastoreItem xmlns:ds="http://purl.oclc.org/ooxml/officeDocument/customXml" ds:itemID="{59BFBFAE-9AE9-4234-AF91-53F15CC99364}">
+  <ds:schemaRefs>
+    <ds:schemaRef ds:uri="http://schemas.microsoft.com/sharepoint/v3/contenttype/forms"/>
+  </ds:schemaRefs>
+</ds:datastoreItem>
+</file>
+
+<file path=customXml/itemProps4.xml><?xml version="1.0" encoding="utf-8"?>
 <ds:datastoreItem xmlns:ds="http://purl.oclc.org/ooxml/officeDocument/customXml" ds:itemID="{EFC39BB9-3C31-4E96-B5A2-8D9C6E90CF68}">
   <ds:schemaRefs>
     <ds:schemaRef ds:uri="http://schemas.microsoft.com/office/2006/documentManagement/types"/>
@@ -33132,20 +33160,4 @@
     <ds:schemaRef ds:uri="c09bee97-6e5f-4578-b7c8-2a18999b593e"/>
   </ds:schemaRefs>
 </ds:datastoreItem>
-</file>
-
-<file path=customXml/itemProps3.xml><?xml version="1.0" encoding="utf-8"?>
-<ds:datastoreItem xmlns:ds="http://purl.oclc.org/ooxml/officeDocument/customXml" ds:itemID="{59BFBFAE-9AE9-4234-AF91-53F15CC99364}">
-  <ds:schemaRefs>
-    <ds:schemaRef ds:uri="http://schemas.microsoft.com/sharepoint/v3/contenttype/forms"/>
-  </ds:schemaRefs>
-</ds:datastoreItem>
-</file>
-
-<file path=customXml/itemProps4.xml><?xml version="1.0" encoding="utf-8"?>
-<ds:datastoreItem xmlns:ds="http://purl.oclc.org/ooxml/officeDocument/customXml" ds:itemID="{2FD29744-43A1-44E3-808C-19A6C7E5A223}">
-  <ds:schemaRefs>
-    <ds:schemaRef ds:uri="http://schemas.microsoft.com/sharepoint/events"/>
-  </ds:schemaRefs>
-</ds:datastoreItem>
 </file>